--- a/ipsj/figure/SystemModel.pptx
+++ b/ipsj/figure/SystemModel.pptx
@@ -197,7 +197,7 @@
           <a:p>
             <a:fld id="{00D06802-B8EF-4FD8-9511-F1F928CF3A55}" type="datetimeFigureOut">
               <a:rPr kumimoji="1" lang="ja-JP" altLang="en-US" smtClean="0"/>
-              <a:t>2017/11/7</a:t>
+              <a:t>2017/11/16</a:t>
             </a:fld>
             <a:endParaRPr kumimoji="1" lang="ja-JP" altLang="en-US"/>
           </a:p>
@@ -628,7 +628,7 @@
           <a:p>
             <a:fld id="{AA641DB4-C951-4763-94FC-F650C3AA7E65}" type="datetimeFigureOut">
               <a:rPr kumimoji="1" lang="ja-JP" altLang="en-US" smtClean="0"/>
-              <a:t>2017/11/7</a:t>
+              <a:t>2017/11/16</a:t>
             </a:fld>
             <a:endParaRPr kumimoji="1" lang="ja-JP" altLang="en-US"/>
           </a:p>
@@ -830,7 +830,7 @@
           <a:p>
             <a:fld id="{AA641DB4-C951-4763-94FC-F650C3AA7E65}" type="datetimeFigureOut">
               <a:rPr kumimoji="1" lang="ja-JP" altLang="en-US" smtClean="0"/>
-              <a:t>2017/11/7</a:t>
+              <a:t>2017/11/16</a:t>
             </a:fld>
             <a:endParaRPr kumimoji="1" lang="ja-JP" altLang="en-US"/>
           </a:p>
@@ -1042,7 +1042,7 @@
           <a:p>
             <a:fld id="{AA641DB4-C951-4763-94FC-F650C3AA7E65}" type="datetimeFigureOut">
               <a:rPr kumimoji="1" lang="ja-JP" altLang="en-US" smtClean="0"/>
-              <a:t>2017/11/7</a:t>
+              <a:t>2017/11/16</a:t>
             </a:fld>
             <a:endParaRPr kumimoji="1" lang="ja-JP" altLang="en-US"/>
           </a:p>
@@ -1244,7 +1244,7 @@
           <a:p>
             <a:fld id="{AA641DB4-C951-4763-94FC-F650C3AA7E65}" type="datetimeFigureOut">
               <a:rPr kumimoji="1" lang="ja-JP" altLang="en-US" smtClean="0"/>
-              <a:t>2017/11/7</a:t>
+              <a:t>2017/11/16</a:t>
             </a:fld>
             <a:endParaRPr kumimoji="1" lang="ja-JP" altLang="en-US"/>
           </a:p>
@@ -1488,7 +1488,7 @@
           <a:p>
             <a:fld id="{AA641DB4-C951-4763-94FC-F650C3AA7E65}" type="datetimeFigureOut">
               <a:rPr kumimoji="1" lang="ja-JP" altLang="en-US" smtClean="0"/>
-              <a:t>2017/11/7</a:t>
+              <a:t>2017/11/16</a:t>
             </a:fld>
             <a:endParaRPr kumimoji="1" lang="ja-JP" altLang="en-US"/>
           </a:p>
@@ -1784,7 +1784,7 @@
           <a:p>
             <a:fld id="{AA641DB4-C951-4763-94FC-F650C3AA7E65}" type="datetimeFigureOut">
               <a:rPr kumimoji="1" lang="ja-JP" altLang="en-US" smtClean="0"/>
-              <a:t>2017/11/7</a:t>
+              <a:t>2017/11/16</a:t>
             </a:fld>
             <a:endParaRPr kumimoji="1" lang="ja-JP" altLang="en-US"/>
           </a:p>
@@ -2215,7 +2215,7 @@
           <a:p>
             <a:fld id="{AA641DB4-C951-4763-94FC-F650C3AA7E65}" type="datetimeFigureOut">
               <a:rPr kumimoji="1" lang="ja-JP" altLang="en-US" smtClean="0"/>
-              <a:t>2017/11/7</a:t>
+              <a:t>2017/11/16</a:t>
             </a:fld>
             <a:endParaRPr kumimoji="1" lang="ja-JP" altLang="en-US"/>
           </a:p>
@@ -2333,7 +2333,7 @@
           <a:p>
             <a:fld id="{AA641DB4-C951-4763-94FC-F650C3AA7E65}" type="datetimeFigureOut">
               <a:rPr kumimoji="1" lang="ja-JP" altLang="en-US" smtClean="0"/>
-              <a:t>2017/11/7</a:t>
+              <a:t>2017/11/16</a:t>
             </a:fld>
             <a:endParaRPr kumimoji="1" lang="ja-JP" altLang="en-US"/>
           </a:p>
@@ -2428,7 +2428,7 @@
           <a:p>
             <a:fld id="{AA641DB4-C951-4763-94FC-F650C3AA7E65}" type="datetimeFigureOut">
               <a:rPr kumimoji="1" lang="ja-JP" altLang="en-US" smtClean="0"/>
-              <a:t>2017/11/7</a:t>
+              <a:t>2017/11/16</a:t>
             </a:fld>
             <a:endParaRPr kumimoji="1" lang="ja-JP" altLang="en-US"/>
           </a:p>
@@ -2737,7 +2737,7 @@
           <a:p>
             <a:fld id="{AA641DB4-C951-4763-94FC-F650C3AA7E65}" type="datetimeFigureOut">
               <a:rPr kumimoji="1" lang="ja-JP" altLang="en-US" smtClean="0"/>
-              <a:t>2017/11/7</a:t>
+              <a:t>2017/11/16</a:t>
             </a:fld>
             <a:endParaRPr kumimoji="1" lang="ja-JP" altLang="en-US"/>
           </a:p>
@@ -2994,7 +2994,7 @@
           <a:p>
             <a:fld id="{AA641DB4-C951-4763-94FC-F650C3AA7E65}" type="datetimeFigureOut">
               <a:rPr kumimoji="1" lang="ja-JP" altLang="en-US" smtClean="0"/>
-              <a:t>2017/11/7</a:t>
+              <a:t>2017/11/16</a:t>
             </a:fld>
             <a:endParaRPr kumimoji="1" lang="ja-JP" altLang="en-US"/>
           </a:p>
@@ -3239,7 +3239,7 @@
           <a:p>
             <a:fld id="{AA641DB4-C951-4763-94FC-F650C3AA7E65}" type="datetimeFigureOut">
               <a:rPr kumimoji="1" lang="ja-JP" altLang="en-US" smtClean="0"/>
-              <a:t>2017/11/7</a:t>
+              <a:t>2017/11/16</a:t>
             </a:fld>
             <a:endParaRPr kumimoji="1" lang="ja-JP" altLang="en-US"/>
           </a:p>
@@ -4918,6 +4918,102 @@
           </p:txBody>
         </p:sp>
       </p:grpSp>
+      <p:sp>
+        <p:nvSpPr>
+          <p:cNvPr id="22" name="角丸四角形 21"/>
+          <p:cNvSpPr/>
+          <p:nvPr/>
+        </p:nvSpPr>
+        <p:spPr>
+          <a:xfrm>
+            <a:off x="14882453" y="1831326"/>
+            <a:ext cx="3172084" cy="1123712"/>
+          </a:xfrm>
+          <a:prstGeom prst="roundRect">
+            <a:avLst/>
+          </a:prstGeom>
+          <a:solidFill>
+            <a:schemeClr val="bg1">
+              <a:lumMod val="95000"/>
+            </a:schemeClr>
+          </a:solidFill>
+          <a:ln>
+            <a:solidFill>
+              <a:schemeClr val="tx1"/>
+            </a:solidFill>
+          </a:ln>
+        </p:spPr>
+        <p:txBody>
+          <a:bodyPr wrap="square">
+            <a:spAutoFit/>
+          </a:bodyPr>
+          <a:lstStyle/>
+          <a:p>
+            <a:r>
+              <a:rPr lang="en-US" altLang="ja-JP" sz="6000" kern="100" dirty="0" smtClean="0">
+                <a:latin typeface="Century" panose="02040604050505020304" pitchFamily="18" charset="0"/>
+                <a:ea typeface="ＭＳ 明朝" panose="02020609040205080304" pitchFamily="17" charset="-128"/>
+                <a:cs typeface="Times New Roman" panose="02020603050405020304" pitchFamily="18" charset="0"/>
+              </a:rPr>
+              <a:t>Sec. 3.1</a:t>
+            </a:r>
+            <a:endParaRPr lang="ja-JP" altLang="ja-JP" sz="6000" kern="100" dirty="0">
+              <a:effectLst/>
+              <a:latin typeface="Century" panose="02040604050505020304" pitchFamily="18" charset="0"/>
+              <a:ea typeface="ＭＳ 明朝" panose="02020609040205080304" pitchFamily="17" charset="-128"/>
+              <a:cs typeface="Times New Roman" panose="02020603050405020304" pitchFamily="18" charset="0"/>
+            </a:endParaRPr>
+          </a:p>
+        </p:txBody>
+      </p:sp>
+      <p:sp>
+        <p:nvSpPr>
+          <p:cNvPr id="23" name="角丸四角形 22"/>
+          <p:cNvSpPr/>
+          <p:nvPr/>
+        </p:nvSpPr>
+        <p:spPr>
+          <a:xfrm>
+            <a:off x="436592" y="10465762"/>
+            <a:ext cx="3172084" cy="1123712"/>
+          </a:xfrm>
+          <a:prstGeom prst="roundRect">
+            <a:avLst/>
+          </a:prstGeom>
+          <a:solidFill>
+            <a:schemeClr val="bg1">
+              <a:lumMod val="95000"/>
+            </a:schemeClr>
+          </a:solidFill>
+          <a:ln>
+            <a:solidFill>
+              <a:schemeClr val="tx1"/>
+            </a:solidFill>
+          </a:ln>
+        </p:spPr>
+        <p:txBody>
+          <a:bodyPr wrap="square">
+            <a:spAutoFit/>
+          </a:bodyPr>
+          <a:lstStyle/>
+          <a:p>
+            <a:r>
+              <a:rPr lang="en-US" altLang="ja-JP" sz="6000" kern="100" dirty="0" smtClean="0">
+                <a:latin typeface="Century" panose="02040604050505020304" pitchFamily="18" charset="0"/>
+                <a:ea typeface="ＭＳ 明朝" panose="02020609040205080304" pitchFamily="17" charset="-128"/>
+                <a:cs typeface="Times New Roman" panose="02020603050405020304" pitchFamily="18" charset="0"/>
+              </a:rPr>
+              <a:t>Sec. 3.2</a:t>
+            </a:r>
+            <a:endParaRPr lang="ja-JP" altLang="ja-JP" sz="6000" kern="100" dirty="0">
+              <a:effectLst/>
+              <a:latin typeface="Century" panose="02040604050505020304" pitchFamily="18" charset="0"/>
+              <a:ea typeface="ＭＳ 明朝" panose="02020609040205080304" pitchFamily="17" charset="-128"/>
+              <a:cs typeface="Times New Roman" panose="02020603050405020304" pitchFamily="18" charset="0"/>
+            </a:endParaRPr>
+          </a:p>
+        </p:txBody>
+      </p:sp>
     </p:spTree>
     <p:extLst>
       <p:ext uri="{BB962C8B-B14F-4D97-AF65-F5344CB8AC3E}">

--- a/ipsj/figure/SystemModel.pptx
+++ b/ipsj/figure/SystemModel.pptx
@@ -2,7 +2,7 @@
 <file path=ppt/presentation.xml><?xml version="1.0" encoding="utf-8"?>
 <p:presentation xmlns:a="http://schemas.openxmlformats.org/drawingml/2006/main" xmlns:r="http://schemas.openxmlformats.org/officeDocument/2006/relationships" xmlns:p="http://schemas.openxmlformats.org/presentationml/2006/main" saveSubsetFonts="1">
   <p:sldMasterIdLst>
-    <p:sldMasterId id="2147483744" r:id="rId1"/>
+    <p:sldMasterId id="2147483756" r:id="rId1"/>
   </p:sldMasterIdLst>
   <p:notesMasterIdLst>
     <p:notesMasterId r:id="rId3"/>
@@ -10,14 +10,14 @@
   <p:sldIdLst>
     <p:sldId id="264" r:id="rId2"/>
   </p:sldIdLst>
-  <p:sldSz cx="21697950" cy="16524288"/>
+  <p:sldSz cx="21697950" cy="12599988"/>
   <p:notesSz cx="6451600" cy="9321800"/>
   <p:defaultTextStyle>
     <a:defPPr>
-      <a:defRPr lang="ja-JP"/>
+      <a:defRPr lang="en-US"/>
     </a:defPPr>
-    <a:lvl1pPr marL="0" algn="l" defTabSz="914400" rtl="0" eaLnBrk="1" latinLnBrk="0" hangingPunct="1">
-      <a:defRPr kumimoji="1" sz="1800" kern="1200">
+    <a:lvl1pPr marL="0" algn="l" defTabSz="457200" rtl="0" eaLnBrk="1" latinLnBrk="0" hangingPunct="1">
+      <a:defRPr sz="1800" kern="1200">
         <a:solidFill>
           <a:schemeClr val="tx1"/>
         </a:solidFill>
@@ -26,8 +26,8 @@
         <a:cs typeface="+mn-cs"/>
       </a:defRPr>
     </a:lvl1pPr>
-    <a:lvl2pPr marL="457200" algn="l" defTabSz="914400" rtl="0" eaLnBrk="1" latinLnBrk="0" hangingPunct="1">
-      <a:defRPr kumimoji="1" sz="1800" kern="1200">
+    <a:lvl2pPr marL="457200" algn="l" defTabSz="457200" rtl="0" eaLnBrk="1" latinLnBrk="0" hangingPunct="1">
+      <a:defRPr sz="1800" kern="1200">
         <a:solidFill>
           <a:schemeClr val="tx1"/>
         </a:solidFill>
@@ -36,8 +36,8 @@
         <a:cs typeface="+mn-cs"/>
       </a:defRPr>
     </a:lvl2pPr>
-    <a:lvl3pPr marL="914400" algn="l" defTabSz="914400" rtl="0" eaLnBrk="1" latinLnBrk="0" hangingPunct="1">
-      <a:defRPr kumimoji="1" sz="1800" kern="1200">
+    <a:lvl3pPr marL="914400" algn="l" defTabSz="457200" rtl="0" eaLnBrk="1" latinLnBrk="0" hangingPunct="1">
+      <a:defRPr sz="1800" kern="1200">
         <a:solidFill>
           <a:schemeClr val="tx1"/>
         </a:solidFill>
@@ -46,8 +46,8 @@
         <a:cs typeface="+mn-cs"/>
       </a:defRPr>
     </a:lvl3pPr>
-    <a:lvl4pPr marL="1371600" algn="l" defTabSz="914400" rtl="0" eaLnBrk="1" latinLnBrk="0" hangingPunct="1">
-      <a:defRPr kumimoji="1" sz="1800" kern="1200">
+    <a:lvl4pPr marL="1371600" algn="l" defTabSz="457200" rtl="0" eaLnBrk="1" latinLnBrk="0" hangingPunct="1">
+      <a:defRPr sz="1800" kern="1200">
         <a:solidFill>
           <a:schemeClr val="tx1"/>
         </a:solidFill>
@@ -56,8 +56,8 @@
         <a:cs typeface="+mn-cs"/>
       </a:defRPr>
     </a:lvl4pPr>
-    <a:lvl5pPr marL="1828800" algn="l" defTabSz="914400" rtl="0" eaLnBrk="1" latinLnBrk="0" hangingPunct="1">
-      <a:defRPr kumimoji="1" sz="1800" kern="1200">
+    <a:lvl5pPr marL="1828800" algn="l" defTabSz="457200" rtl="0" eaLnBrk="1" latinLnBrk="0" hangingPunct="1">
+      <a:defRPr sz="1800" kern="1200">
         <a:solidFill>
           <a:schemeClr val="tx1"/>
         </a:solidFill>
@@ -66,8 +66,8 @@
         <a:cs typeface="+mn-cs"/>
       </a:defRPr>
     </a:lvl5pPr>
-    <a:lvl6pPr marL="2286000" algn="l" defTabSz="914400" rtl="0" eaLnBrk="1" latinLnBrk="0" hangingPunct="1">
-      <a:defRPr kumimoji="1" sz="1800" kern="1200">
+    <a:lvl6pPr marL="2286000" algn="l" defTabSz="457200" rtl="0" eaLnBrk="1" latinLnBrk="0" hangingPunct="1">
+      <a:defRPr sz="1800" kern="1200">
         <a:solidFill>
           <a:schemeClr val="tx1"/>
         </a:solidFill>
@@ -76,8 +76,8 @@
         <a:cs typeface="+mn-cs"/>
       </a:defRPr>
     </a:lvl6pPr>
-    <a:lvl7pPr marL="2743200" algn="l" defTabSz="914400" rtl="0" eaLnBrk="1" latinLnBrk="0" hangingPunct="1">
-      <a:defRPr kumimoji="1" sz="1800" kern="1200">
+    <a:lvl7pPr marL="2743200" algn="l" defTabSz="457200" rtl="0" eaLnBrk="1" latinLnBrk="0" hangingPunct="1">
+      <a:defRPr sz="1800" kern="1200">
         <a:solidFill>
           <a:schemeClr val="tx1"/>
         </a:solidFill>
@@ -86,8 +86,8 @@
         <a:cs typeface="+mn-cs"/>
       </a:defRPr>
     </a:lvl7pPr>
-    <a:lvl8pPr marL="3200400" algn="l" defTabSz="914400" rtl="0" eaLnBrk="1" latinLnBrk="0" hangingPunct="1">
-      <a:defRPr kumimoji="1" sz="1800" kern="1200">
+    <a:lvl8pPr marL="3200400" algn="l" defTabSz="457200" rtl="0" eaLnBrk="1" latinLnBrk="0" hangingPunct="1">
+      <a:defRPr sz="1800" kern="1200">
         <a:solidFill>
           <a:schemeClr val="tx1"/>
         </a:solidFill>
@@ -96,8 +96,8 @@
         <a:cs typeface="+mn-cs"/>
       </a:defRPr>
     </a:lvl8pPr>
-    <a:lvl9pPr marL="3657600" algn="l" defTabSz="914400" rtl="0" eaLnBrk="1" latinLnBrk="0" hangingPunct="1">
-      <a:defRPr kumimoji="1" sz="1800" kern="1200">
+    <a:lvl9pPr marL="3657600" algn="l" defTabSz="457200" rtl="0" eaLnBrk="1" latinLnBrk="0" hangingPunct="1">
+      <a:defRPr sz="1800" kern="1200">
         <a:solidFill>
           <a:schemeClr val="tx1"/>
         </a:solidFill>
@@ -215,8 +215,8 @@
         </p:nvSpPr>
         <p:spPr>
           <a:xfrm>
-            <a:off x="1160463" y="1165225"/>
-            <a:ext cx="4130675" cy="3146425"/>
+            <a:off x="517525" y="1165225"/>
+            <a:ext cx="5416550" cy="3146425"/>
           </a:xfrm>
           <a:prstGeom prst="rect">
             <a:avLst/>
@@ -526,15 +526,15 @@
         </p:nvSpPr>
         <p:spPr>
           <a:xfrm>
-            <a:off x="1627347" y="2704323"/>
-            <a:ext cx="18443259" cy="5752900"/>
+            <a:off x="2712244" y="2062083"/>
+            <a:ext cx="16273463" cy="4386662"/>
           </a:xfrm>
         </p:spPr>
         <p:txBody>
           <a:bodyPr anchor="b"/>
           <a:lstStyle>
             <a:lvl1pPr algn="ctr">
-              <a:defRPr sz="14237"/>
+              <a:defRPr sz="10678"/>
             </a:lvl1pPr>
           </a:lstStyle>
           <a:p>
@@ -558,8 +558,8 @@
         </p:nvSpPr>
         <p:spPr>
           <a:xfrm>
-            <a:off x="2712245" y="8679080"/>
-            <a:ext cx="16273463" cy="3989543"/>
+            <a:off x="2712244" y="6617911"/>
+            <a:ext cx="16273463" cy="3042080"/>
           </a:xfrm>
         </p:spPr>
         <p:txBody>
@@ -567,39 +567,39 @@
           <a:lstStyle>
             <a:lvl1pPr marL="0" indent="0" algn="ctr">
               <a:buNone/>
-              <a:defRPr sz="5695"/>
+              <a:defRPr sz="4271"/>
             </a:lvl1pPr>
-            <a:lvl2pPr marL="1084920" indent="0" algn="ctr">
-              <a:buNone/>
-              <a:defRPr sz="4746"/>
+            <a:lvl2pPr marL="813679" indent="0" algn="ctr">
+              <a:buNone/>
+              <a:defRPr sz="3559"/>
             </a:lvl2pPr>
-            <a:lvl3pPr marL="2169841" indent="0" algn="ctr">
-              <a:buNone/>
-              <a:defRPr sz="4271"/>
+            <a:lvl3pPr marL="1627358" indent="0" algn="ctr">
+              <a:buNone/>
+              <a:defRPr sz="3203"/>
             </a:lvl3pPr>
-            <a:lvl4pPr marL="3254761" indent="0" algn="ctr">
-              <a:buNone/>
-              <a:defRPr sz="3797"/>
+            <a:lvl4pPr marL="2441037" indent="0" algn="ctr">
+              <a:buNone/>
+              <a:defRPr sz="2848"/>
             </a:lvl4pPr>
-            <a:lvl5pPr marL="4339682" indent="0" algn="ctr">
-              <a:buNone/>
-              <a:defRPr sz="3797"/>
+            <a:lvl5pPr marL="3254715" indent="0" algn="ctr">
+              <a:buNone/>
+              <a:defRPr sz="2848"/>
             </a:lvl5pPr>
-            <a:lvl6pPr marL="5424602" indent="0" algn="ctr">
-              <a:buNone/>
-              <a:defRPr sz="3797"/>
+            <a:lvl6pPr marL="4068394" indent="0" algn="ctr">
+              <a:buNone/>
+              <a:defRPr sz="2848"/>
             </a:lvl6pPr>
-            <a:lvl7pPr marL="6509522" indent="0" algn="ctr">
-              <a:buNone/>
-              <a:defRPr sz="3797"/>
+            <a:lvl7pPr marL="4882073" indent="0" algn="ctr">
+              <a:buNone/>
+              <a:defRPr sz="2848"/>
             </a:lvl7pPr>
-            <a:lvl8pPr marL="7594443" indent="0" algn="ctr">
-              <a:buNone/>
-              <a:defRPr sz="3797"/>
+            <a:lvl8pPr marL="5695752" indent="0" algn="ctr">
+              <a:buNone/>
+              <a:defRPr sz="2848"/>
             </a:lvl8pPr>
-            <a:lvl9pPr marL="8679363" indent="0" algn="ctr">
-              <a:buNone/>
-              <a:defRPr sz="3797"/>
+            <a:lvl9pPr marL="6509431" indent="0" algn="ctr">
+              <a:buNone/>
+              <a:defRPr sz="2848"/>
             </a:lvl9pPr>
           </a:lstStyle>
           <a:p>
@@ -679,7 +679,7 @@
     </p:spTree>
     <p:extLst>
       <p:ext uri="{BB962C8B-B14F-4D97-AF65-F5344CB8AC3E}">
-        <p14:creationId xmlns:p14="http://schemas.microsoft.com/office/powerpoint/2010/main" val="2653455544"/>
+        <p14:creationId xmlns:p14="http://schemas.microsoft.com/office/powerpoint/2010/main" val="2545247159"/>
       </p:ext>
     </p:extLst>
   </p:cSld>
@@ -881,7 +881,7 @@
     </p:spTree>
     <p:extLst>
       <p:ext uri="{BB962C8B-B14F-4D97-AF65-F5344CB8AC3E}">
-        <p14:creationId xmlns:p14="http://schemas.microsoft.com/office/powerpoint/2010/main" val="196501246"/>
+        <p14:creationId xmlns:p14="http://schemas.microsoft.com/office/powerpoint/2010/main" val="3956496018"/>
       </p:ext>
     </p:extLst>
   </p:cSld>
@@ -920,8 +920,8 @@
         </p:nvSpPr>
         <p:spPr>
           <a:xfrm>
-            <a:off x="15527598" y="879765"/>
-            <a:ext cx="4678621" cy="14003570"/>
+            <a:off x="15527596" y="670833"/>
+            <a:ext cx="4678620" cy="10677907"/>
           </a:xfrm>
         </p:spPr>
         <p:txBody>
@@ -948,8 +948,8 @@
         </p:nvSpPr>
         <p:spPr>
           <a:xfrm>
-            <a:off x="1491737" y="879765"/>
-            <a:ext cx="13764636" cy="14003570"/>
+            <a:off x="1491734" y="670833"/>
+            <a:ext cx="13764637" cy="10677907"/>
           </a:xfrm>
         </p:spPr>
         <p:txBody>
@@ -1093,7 +1093,7 @@
     </p:spTree>
     <p:extLst>
       <p:ext uri="{BB962C8B-B14F-4D97-AF65-F5344CB8AC3E}">
-        <p14:creationId xmlns:p14="http://schemas.microsoft.com/office/powerpoint/2010/main" val="3129402896"/>
+        <p14:creationId xmlns:p14="http://schemas.microsoft.com/office/powerpoint/2010/main" val="2161992815"/>
       </p:ext>
     </p:extLst>
   </p:cSld>
@@ -1295,7 +1295,7 @@
     </p:spTree>
     <p:extLst>
       <p:ext uri="{BB962C8B-B14F-4D97-AF65-F5344CB8AC3E}">
-        <p14:creationId xmlns:p14="http://schemas.microsoft.com/office/powerpoint/2010/main" val="809683799"/>
+        <p14:creationId xmlns:p14="http://schemas.microsoft.com/office/powerpoint/2010/main" val="2431738487"/>
       </p:ext>
     </p:extLst>
   </p:cSld>
@@ -1334,15 +1334,15 @@
         </p:nvSpPr>
         <p:spPr>
           <a:xfrm>
-            <a:off x="1480436" y="4119601"/>
-            <a:ext cx="18714481" cy="6873644"/>
+            <a:off x="1480433" y="3141249"/>
+            <a:ext cx="18714482" cy="5241244"/>
           </a:xfrm>
         </p:spPr>
         <p:txBody>
           <a:bodyPr anchor="b"/>
           <a:lstStyle>
             <a:lvl1pPr>
-              <a:defRPr sz="14237"/>
+              <a:defRPr sz="10678"/>
             </a:lvl1pPr>
           </a:lstStyle>
           <a:p>
@@ -1366,8 +1366,8 @@
         </p:nvSpPr>
         <p:spPr>
           <a:xfrm>
-            <a:off x="1480436" y="11058274"/>
-            <a:ext cx="18714481" cy="3614687"/>
+            <a:off x="1480433" y="8432077"/>
+            <a:ext cx="18714482" cy="2756246"/>
           </a:xfrm>
         </p:spPr>
         <p:txBody>
@@ -1375,15 +1375,17 @@
           <a:lstStyle>
             <a:lvl1pPr marL="0" indent="0">
               <a:buNone/>
-              <a:defRPr sz="5695">
+              <a:defRPr sz="4271">
                 <a:solidFill>
-                  <a:schemeClr val="tx1"/>
+                  <a:schemeClr val="tx1">
+                    <a:tint val="75000"/>
+                  </a:schemeClr>
                 </a:solidFill>
               </a:defRPr>
             </a:lvl1pPr>
-            <a:lvl2pPr marL="1084920" indent="0">
-              <a:buNone/>
-              <a:defRPr sz="4746">
+            <a:lvl2pPr marL="813679" indent="0">
+              <a:buNone/>
+              <a:defRPr sz="3559">
                 <a:solidFill>
                   <a:schemeClr val="tx1">
                     <a:tint val="75000"/>
@@ -1391,9 +1393,9 @@
                 </a:solidFill>
               </a:defRPr>
             </a:lvl2pPr>
-            <a:lvl3pPr marL="2169841" indent="0">
-              <a:buNone/>
-              <a:defRPr sz="4271">
+            <a:lvl3pPr marL="1627358" indent="0">
+              <a:buNone/>
+              <a:defRPr sz="3203">
                 <a:solidFill>
                   <a:schemeClr val="tx1">
                     <a:tint val="75000"/>
@@ -1401,9 +1403,9 @@
                 </a:solidFill>
               </a:defRPr>
             </a:lvl3pPr>
-            <a:lvl4pPr marL="3254761" indent="0">
-              <a:buNone/>
-              <a:defRPr sz="3797">
+            <a:lvl4pPr marL="2441037" indent="0">
+              <a:buNone/>
+              <a:defRPr sz="2848">
                 <a:solidFill>
                   <a:schemeClr val="tx1">
                     <a:tint val="75000"/>
@@ -1411,9 +1413,9 @@
                 </a:solidFill>
               </a:defRPr>
             </a:lvl4pPr>
-            <a:lvl5pPr marL="4339682" indent="0">
-              <a:buNone/>
-              <a:defRPr sz="3797">
+            <a:lvl5pPr marL="3254715" indent="0">
+              <a:buNone/>
+              <a:defRPr sz="2848">
                 <a:solidFill>
                   <a:schemeClr val="tx1">
                     <a:tint val="75000"/>
@@ -1421,9 +1423,9 @@
                 </a:solidFill>
               </a:defRPr>
             </a:lvl5pPr>
-            <a:lvl6pPr marL="5424602" indent="0">
-              <a:buNone/>
-              <a:defRPr sz="3797">
+            <a:lvl6pPr marL="4068394" indent="0">
+              <a:buNone/>
+              <a:defRPr sz="2848">
                 <a:solidFill>
                   <a:schemeClr val="tx1">
                     <a:tint val="75000"/>
@@ -1431,9 +1433,9 @@
                 </a:solidFill>
               </a:defRPr>
             </a:lvl6pPr>
-            <a:lvl7pPr marL="6509522" indent="0">
-              <a:buNone/>
-              <a:defRPr sz="3797">
+            <a:lvl7pPr marL="4882073" indent="0">
+              <a:buNone/>
+              <a:defRPr sz="2848">
                 <a:solidFill>
                   <a:schemeClr val="tx1">
                     <a:tint val="75000"/>
@@ -1441,9 +1443,9 @@
                 </a:solidFill>
               </a:defRPr>
             </a:lvl7pPr>
-            <a:lvl8pPr marL="7594443" indent="0">
-              <a:buNone/>
-              <a:defRPr sz="3797">
+            <a:lvl8pPr marL="5695752" indent="0">
+              <a:buNone/>
+              <a:defRPr sz="2848">
                 <a:solidFill>
                   <a:schemeClr val="tx1">
                     <a:tint val="75000"/>
@@ -1451,9 +1453,9 @@
                 </a:solidFill>
               </a:defRPr>
             </a:lvl8pPr>
-            <a:lvl9pPr marL="8679363" indent="0">
-              <a:buNone/>
-              <a:defRPr sz="3797">
+            <a:lvl9pPr marL="6509431" indent="0">
+              <a:buNone/>
+              <a:defRPr sz="2848">
                 <a:solidFill>
                   <a:schemeClr val="tx1">
                     <a:tint val="75000"/>
@@ -1539,7 +1541,7 @@
     </p:spTree>
     <p:extLst>
       <p:ext uri="{BB962C8B-B14F-4D97-AF65-F5344CB8AC3E}">
-        <p14:creationId xmlns:p14="http://schemas.microsoft.com/office/powerpoint/2010/main" val="2169525635"/>
+        <p14:creationId xmlns:p14="http://schemas.microsoft.com/office/powerpoint/2010/main" val="59753172"/>
       </p:ext>
     </p:extLst>
   </p:cSld>
@@ -1601,8 +1603,8 @@
         </p:nvSpPr>
         <p:spPr>
           <a:xfrm>
-            <a:off x="1491736" y="4398829"/>
-            <a:ext cx="9221629" cy="10484509"/>
+            <a:off x="1491734" y="3354163"/>
+            <a:ext cx="9221629" cy="7994577"/>
           </a:xfrm>
         </p:spPr>
         <p:txBody>
@@ -1690,8 +1692,8 @@
         </p:nvSpPr>
         <p:spPr>
           <a:xfrm>
-            <a:off x="10984588" y="4398829"/>
-            <a:ext cx="9221629" cy="10484509"/>
+            <a:off x="10984587" y="3354163"/>
+            <a:ext cx="9221629" cy="7994577"/>
           </a:xfrm>
         </p:spPr>
         <p:txBody>
@@ -1835,7 +1837,7 @@
     </p:spTree>
     <p:extLst>
       <p:ext uri="{BB962C8B-B14F-4D97-AF65-F5344CB8AC3E}">
-        <p14:creationId xmlns:p14="http://schemas.microsoft.com/office/powerpoint/2010/main" val="1707143797"/>
+        <p14:creationId xmlns:p14="http://schemas.microsoft.com/office/powerpoint/2010/main" val="2721743842"/>
       </p:ext>
     </p:extLst>
   </p:cSld>
@@ -1874,8 +1876,8 @@
         </p:nvSpPr>
         <p:spPr>
           <a:xfrm>
-            <a:off x="1494561" y="879769"/>
-            <a:ext cx="18714481" cy="3193932"/>
+            <a:off x="1494560" y="670834"/>
+            <a:ext cx="18714482" cy="2435415"/>
           </a:xfrm>
         </p:spPr>
         <p:txBody>
@@ -1902,8 +1904,8 @@
         </p:nvSpPr>
         <p:spPr>
           <a:xfrm>
-            <a:off x="1494563" y="4050747"/>
-            <a:ext cx="9179248" cy="1985208"/>
+            <a:off x="1494561" y="3088748"/>
+            <a:ext cx="9179249" cy="1513748"/>
           </a:xfrm>
         </p:spPr>
         <p:txBody>
@@ -1911,39 +1913,39 @@
           <a:lstStyle>
             <a:lvl1pPr marL="0" indent="0">
               <a:buNone/>
-              <a:defRPr sz="5695" b="1"/>
+              <a:defRPr sz="4271" b="1"/>
             </a:lvl1pPr>
-            <a:lvl2pPr marL="1084920" indent="0">
-              <a:buNone/>
-              <a:defRPr sz="4746" b="1"/>
+            <a:lvl2pPr marL="813679" indent="0">
+              <a:buNone/>
+              <a:defRPr sz="3559" b="1"/>
             </a:lvl2pPr>
-            <a:lvl3pPr marL="2169841" indent="0">
-              <a:buNone/>
-              <a:defRPr sz="4271" b="1"/>
+            <a:lvl3pPr marL="1627358" indent="0">
+              <a:buNone/>
+              <a:defRPr sz="3203" b="1"/>
             </a:lvl3pPr>
-            <a:lvl4pPr marL="3254761" indent="0">
-              <a:buNone/>
-              <a:defRPr sz="3797" b="1"/>
+            <a:lvl4pPr marL="2441037" indent="0">
+              <a:buNone/>
+              <a:defRPr sz="2848" b="1"/>
             </a:lvl4pPr>
-            <a:lvl5pPr marL="4339682" indent="0">
-              <a:buNone/>
-              <a:defRPr sz="3797" b="1"/>
+            <a:lvl5pPr marL="3254715" indent="0">
+              <a:buNone/>
+              <a:defRPr sz="2848" b="1"/>
             </a:lvl5pPr>
-            <a:lvl6pPr marL="5424602" indent="0">
-              <a:buNone/>
-              <a:defRPr sz="3797" b="1"/>
+            <a:lvl6pPr marL="4068394" indent="0">
+              <a:buNone/>
+              <a:defRPr sz="2848" b="1"/>
             </a:lvl6pPr>
-            <a:lvl7pPr marL="6509522" indent="0">
-              <a:buNone/>
-              <a:defRPr sz="3797" b="1"/>
+            <a:lvl7pPr marL="4882073" indent="0">
+              <a:buNone/>
+              <a:defRPr sz="2848" b="1"/>
             </a:lvl7pPr>
-            <a:lvl8pPr marL="7594443" indent="0">
-              <a:buNone/>
-              <a:defRPr sz="3797" b="1"/>
+            <a:lvl8pPr marL="5695752" indent="0">
+              <a:buNone/>
+              <a:defRPr sz="2848" b="1"/>
             </a:lvl8pPr>
-            <a:lvl9pPr marL="8679363" indent="0">
-              <a:buNone/>
-              <a:defRPr sz="3797" b="1"/>
+            <a:lvl9pPr marL="6509431" indent="0">
+              <a:buNone/>
+              <a:defRPr sz="2848" b="1"/>
             </a:lvl9pPr>
           </a:lstStyle>
           <a:p>
@@ -1967,8 +1969,8 @@
         </p:nvSpPr>
         <p:spPr>
           <a:xfrm>
-            <a:off x="1494563" y="6035957"/>
-            <a:ext cx="9179248" cy="8877981"/>
+            <a:off x="1494561" y="4602496"/>
+            <a:ext cx="9179249" cy="6769578"/>
           </a:xfrm>
         </p:spPr>
         <p:txBody>
@@ -2056,8 +2058,8 @@
         </p:nvSpPr>
         <p:spPr>
           <a:xfrm>
-            <a:off x="10984588" y="4050747"/>
-            <a:ext cx="9224456" cy="1985208"/>
+            <a:off x="10984587" y="3088748"/>
+            <a:ext cx="9224455" cy="1513748"/>
           </a:xfrm>
         </p:spPr>
         <p:txBody>
@@ -2065,39 +2067,39 @@
           <a:lstStyle>
             <a:lvl1pPr marL="0" indent="0">
               <a:buNone/>
-              <a:defRPr sz="5695" b="1"/>
+              <a:defRPr sz="4271" b="1"/>
             </a:lvl1pPr>
-            <a:lvl2pPr marL="1084920" indent="0">
-              <a:buNone/>
-              <a:defRPr sz="4746" b="1"/>
+            <a:lvl2pPr marL="813679" indent="0">
+              <a:buNone/>
+              <a:defRPr sz="3559" b="1"/>
             </a:lvl2pPr>
-            <a:lvl3pPr marL="2169841" indent="0">
-              <a:buNone/>
-              <a:defRPr sz="4271" b="1"/>
+            <a:lvl3pPr marL="1627358" indent="0">
+              <a:buNone/>
+              <a:defRPr sz="3203" b="1"/>
             </a:lvl3pPr>
-            <a:lvl4pPr marL="3254761" indent="0">
-              <a:buNone/>
-              <a:defRPr sz="3797" b="1"/>
+            <a:lvl4pPr marL="2441037" indent="0">
+              <a:buNone/>
+              <a:defRPr sz="2848" b="1"/>
             </a:lvl4pPr>
-            <a:lvl5pPr marL="4339682" indent="0">
-              <a:buNone/>
-              <a:defRPr sz="3797" b="1"/>
+            <a:lvl5pPr marL="3254715" indent="0">
+              <a:buNone/>
+              <a:defRPr sz="2848" b="1"/>
             </a:lvl5pPr>
-            <a:lvl6pPr marL="5424602" indent="0">
-              <a:buNone/>
-              <a:defRPr sz="3797" b="1"/>
+            <a:lvl6pPr marL="4068394" indent="0">
+              <a:buNone/>
+              <a:defRPr sz="2848" b="1"/>
             </a:lvl6pPr>
-            <a:lvl7pPr marL="6509522" indent="0">
-              <a:buNone/>
-              <a:defRPr sz="3797" b="1"/>
+            <a:lvl7pPr marL="4882073" indent="0">
+              <a:buNone/>
+              <a:defRPr sz="2848" b="1"/>
             </a:lvl7pPr>
-            <a:lvl8pPr marL="7594443" indent="0">
-              <a:buNone/>
-              <a:defRPr sz="3797" b="1"/>
+            <a:lvl8pPr marL="5695752" indent="0">
+              <a:buNone/>
+              <a:defRPr sz="2848" b="1"/>
             </a:lvl8pPr>
-            <a:lvl9pPr marL="8679363" indent="0">
-              <a:buNone/>
-              <a:defRPr sz="3797" b="1"/>
+            <a:lvl9pPr marL="6509431" indent="0">
+              <a:buNone/>
+              <a:defRPr sz="2848" b="1"/>
             </a:lvl9pPr>
           </a:lstStyle>
           <a:p>
@@ -2121,8 +2123,8 @@
         </p:nvSpPr>
         <p:spPr>
           <a:xfrm>
-            <a:off x="10984588" y="6035957"/>
-            <a:ext cx="9224456" cy="8877981"/>
+            <a:off x="10984587" y="4602496"/>
+            <a:ext cx="9224455" cy="6769578"/>
           </a:xfrm>
         </p:spPr>
         <p:txBody>
@@ -2266,7 +2268,7 @@
     </p:spTree>
     <p:extLst>
       <p:ext uri="{BB962C8B-B14F-4D97-AF65-F5344CB8AC3E}">
-        <p14:creationId xmlns:p14="http://schemas.microsoft.com/office/powerpoint/2010/main" val="1985854345"/>
+        <p14:creationId xmlns:p14="http://schemas.microsoft.com/office/powerpoint/2010/main" val="2029661912"/>
       </p:ext>
     </p:extLst>
   </p:cSld>
@@ -2384,7 +2386,7 @@
     </p:spTree>
     <p:extLst>
       <p:ext uri="{BB962C8B-B14F-4D97-AF65-F5344CB8AC3E}">
-        <p14:creationId xmlns:p14="http://schemas.microsoft.com/office/powerpoint/2010/main" val="4263842232"/>
+        <p14:creationId xmlns:p14="http://schemas.microsoft.com/office/powerpoint/2010/main" val="2952261614"/>
       </p:ext>
     </p:extLst>
   </p:cSld>
@@ -2479,7 +2481,7 @@
     </p:spTree>
     <p:extLst>
       <p:ext uri="{BB962C8B-B14F-4D97-AF65-F5344CB8AC3E}">
-        <p14:creationId xmlns:p14="http://schemas.microsoft.com/office/powerpoint/2010/main" val="727611953"/>
+        <p14:creationId xmlns:p14="http://schemas.microsoft.com/office/powerpoint/2010/main" val="4167008561"/>
       </p:ext>
     </p:extLst>
   </p:cSld>
@@ -2518,15 +2520,15 @@
         </p:nvSpPr>
         <p:spPr>
           <a:xfrm>
-            <a:off x="1494561" y="1101621"/>
-            <a:ext cx="6998153" cy="3855667"/>
+            <a:off x="1494561" y="839999"/>
+            <a:ext cx="6998153" cy="2939997"/>
           </a:xfrm>
         </p:spPr>
         <p:txBody>
           <a:bodyPr anchor="b"/>
           <a:lstStyle>
             <a:lvl1pPr>
-              <a:defRPr sz="7594"/>
+              <a:defRPr sz="5695"/>
             </a:lvl1pPr>
           </a:lstStyle>
           <a:p>
@@ -2550,39 +2552,39 @@
         </p:nvSpPr>
         <p:spPr>
           <a:xfrm>
-            <a:off x="9224456" y="2379197"/>
-            <a:ext cx="10984586" cy="11742955"/>
+            <a:off x="9224455" y="1814166"/>
+            <a:ext cx="10984587" cy="8954158"/>
           </a:xfrm>
         </p:spPr>
         <p:txBody>
           <a:bodyPr/>
           <a:lstStyle>
             <a:lvl1pPr>
-              <a:defRPr sz="7594"/>
+              <a:defRPr sz="5695"/>
             </a:lvl1pPr>
             <a:lvl2pPr>
-              <a:defRPr sz="6645"/>
+              <a:defRPr sz="4983"/>
             </a:lvl2pPr>
             <a:lvl3pPr>
-              <a:defRPr sz="5695"/>
+              <a:defRPr sz="4271"/>
             </a:lvl3pPr>
             <a:lvl4pPr>
-              <a:defRPr sz="4746"/>
+              <a:defRPr sz="3559"/>
             </a:lvl4pPr>
             <a:lvl5pPr>
-              <a:defRPr sz="4746"/>
+              <a:defRPr sz="3559"/>
             </a:lvl5pPr>
             <a:lvl6pPr>
-              <a:defRPr sz="4746"/>
+              <a:defRPr sz="3559"/>
             </a:lvl6pPr>
             <a:lvl7pPr>
-              <a:defRPr sz="4746"/>
+              <a:defRPr sz="3559"/>
             </a:lvl7pPr>
             <a:lvl8pPr>
-              <a:defRPr sz="4746"/>
+              <a:defRPr sz="3559"/>
             </a:lvl8pPr>
             <a:lvl9pPr>
-              <a:defRPr sz="4746"/>
+              <a:defRPr sz="3559"/>
             </a:lvl9pPr>
           </a:lstStyle>
           <a:p>
@@ -2667,8 +2669,8 @@
         </p:nvSpPr>
         <p:spPr>
           <a:xfrm>
-            <a:off x="1494561" y="4957287"/>
-            <a:ext cx="6998153" cy="9183986"/>
+            <a:off x="1494561" y="3779996"/>
+            <a:ext cx="6998153" cy="7002911"/>
           </a:xfrm>
         </p:spPr>
         <p:txBody>
@@ -2676,39 +2678,39 @@
           <a:lstStyle>
             <a:lvl1pPr marL="0" indent="0">
               <a:buNone/>
-              <a:defRPr sz="3797"/>
+              <a:defRPr sz="2848"/>
             </a:lvl1pPr>
-            <a:lvl2pPr marL="1084920" indent="0">
-              <a:buNone/>
-              <a:defRPr sz="3322"/>
+            <a:lvl2pPr marL="813679" indent="0">
+              <a:buNone/>
+              <a:defRPr sz="2492"/>
             </a:lvl2pPr>
-            <a:lvl3pPr marL="2169841" indent="0">
-              <a:buNone/>
-              <a:defRPr sz="2847"/>
+            <a:lvl3pPr marL="1627358" indent="0">
+              <a:buNone/>
+              <a:defRPr sz="2136"/>
             </a:lvl3pPr>
-            <a:lvl4pPr marL="3254761" indent="0">
-              <a:buNone/>
-              <a:defRPr sz="2374"/>
+            <a:lvl4pPr marL="2441037" indent="0">
+              <a:buNone/>
+              <a:defRPr sz="1780"/>
             </a:lvl4pPr>
-            <a:lvl5pPr marL="4339682" indent="0">
-              <a:buNone/>
-              <a:defRPr sz="2374"/>
+            <a:lvl5pPr marL="3254715" indent="0">
+              <a:buNone/>
+              <a:defRPr sz="1780"/>
             </a:lvl5pPr>
-            <a:lvl6pPr marL="5424602" indent="0">
-              <a:buNone/>
-              <a:defRPr sz="2374"/>
+            <a:lvl6pPr marL="4068394" indent="0">
+              <a:buNone/>
+              <a:defRPr sz="1780"/>
             </a:lvl6pPr>
-            <a:lvl7pPr marL="6509522" indent="0">
-              <a:buNone/>
-              <a:defRPr sz="2374"/>
+            <a:lvl7pPr marL="4882073" indent="0">
+              <a:buNone/>
+              <a:defRPr sz="1780"/>
             </a:lvl7pPr>
-            <a:lvl8pPr marL="7594443" indent="0">
-              <a:buNone/>
-              <a:defRPr sz="2374"/>
+            <a:lvl8pPr marL="5695752" indent="0">
+              <a:buNone/>
+              <a:defRPr sz="1780"/>
             </a:lvl8pPr>
-            <a:lvl9pPr marL="8679363" indent="0">
-              <a:buNone/>
-              <a:defRPr sz="2374"/>
+            <a:lvl9pPr marL="6509431" indent="0">
+              <a:buNone/>
+              <a:defRPr sz="1780"/>
             </a:lvl9pPr>
           </a:lstStyle>
           <a:p>
@@ -2788,7 +2790,7 @@
     </p:spTree>
     <p:extLst>
       <p:ext uri="{BB962C8B-B14F-4D97-AF65-F5344CB8AC3E}">
-        <p14:creationId xmlns:p14="http://schemas.microsoft.com/office/powerpoint/2010/main" val="3358752315"/>
+        <p14:creationId xmlns:p14="http://schemas.microsoft.com/office/powerpoint/2010/main" val="117346132"/>
       </p:ext>
     </p:extLst>
   </p:cSld>
@@ -2827,15 +2829,15 @@
         </p:nvSpPr>
         <p:spPr>
           <a:xfrm>
-            <a:off x="1494561" y="1101621"/>
-            <a:ext cx="6998153" cy="3855667"/>
+            <a:off x="1494561" y="839999"/>
+            <a:ext cx="6998153" cy="2939997"/>
           </a:xfrm>
         </p:spPr>
         <p:txBody>
           <a:bodyPr anchor="b"/>
           <a:lstStyle>
             <a:lvl1pPr>
-              <a:defRPr sz="7594"/>
+              <a:defRPr sz="5695"/>
             </a:lvl1pPr>
           </a:lstStyle>
           <a:p>
@@ -2859,8 +2861,8 @@
         </p:nvSpPr>
         <p:spPr>
           <a:xfrm>
-            <a:off x="9224456" y="2379197"/>
-            <a:ext cx="10984586" cy="11742955"/>
+            <a:off x="9224455" y="1814166"/>
+            <a:ext cx="10984587" cy="8954158"/>
           </a:xfrm>
         </p:spPr>
         <p:txBody>
@@ -2868,39 +2870,39 @@
           <a:lstStyle>
             <a:lvl1pPr marL="0" indent="0">
               <a:buNone/>
-              <a:defRPr sz="7594"/>
+              <a:defRPr sz="5695"/>
             </a:lvl1pPr>
-            <a:lvl2pPr marL="1084920" indent="0">
-              <a:buNone/>
-              <a:defRPr sz="6645"/>
+            <a:lvl2pPr marL="813679" indent="0">
+              <a:buNone/>
+              <a:defRPr sz="4983"/>
             </a:lvl2pPr>
-            <a:lvl3pPr marL="2169841" indent="0">
-              <a:buNone/>
-              <a:defRPr sz="5695"/>
+            <a:lvl3pPr marL="1627358" indent="0">
+              <a:buNone/>
+              <a:defRPr sz="4271"/>
             </a:lvl3pPr>
-            <a:lvl4pPr marL="3254761" indent="0">
-              <a:buNone/>
-              <a:defRPr sz="4746"/>
+            <a:lvl4pPr marL="2441037" indent="0">
+              <a:buNone/>
+              <a:defRPr sz="3559"/>
             </a:lvl4pPr>
-            <a:lvl5pPr marL="4339682" indent="0">
-              <a:buNone/>
-              <a:defRPr sz="4746"/>
+            <a:lvl5pPr marL="3254715" indent="0">
+              <a:buNone/>
+              <a:defRPr sz="3559"/>
             </a:lvl5pPr>
-            <a:lvl6pPr marL="5424602" indent="0">
-              <a:buNone/>
-              <a:defRPr sz="4746"/>
+            <a:lvl6pPr marL="4068394" indent="0">
+              <a:buNone/>
+              <a:defRPr sz="3559"/>
             </a:lvl6pPr>
-            <a:lvl7pPr marL="6509522" indent="0">
-              <a:buNone/>
-              <a:defRPr sz="4746"/>
+            <a:lvl7pPr marL="4882073" indent="0">
+              <a:buNone/>
+              <a:defRPr sz="3559"/>
             </a:lvl7pPr>
-            <a:lvl8pPr marL="7594443" indent="0">
-              <a:buNone/>
-              <a:defRPr sz="4746"/>
+            <a:lvl8pPr marL="5695752" indent="0">
+              <a:buNone/>
+              <a:defRPr sz="3559"/>
             </a:lvl8pPr>
-            <a:lvl9pPr marL="8679363" indent="0">
-              <a:buNone/>
-              <a:defRPr sz="4746"/>
+            <a:lvl9pPr marL="6509431" indent="0">
+              <a:buNone/>
+              <a:defRPr sz="3559"/>
             </a:lvl9pPr>
           </a:lstStyle>
           <a:p>
@@ -2924,8 +2926,8 @@
         </p:nvSpPr>
         <p:spPr>
           <a:xfrm>
-            <a:off x="1494561" y="4957287"/>
-            <a:ext cx="6998153" cy="9183986"/>
+            <a:off x="1494561" y="3779996"/>
+            <a:ext cx="6998153" cy="7002911"/>
           </a:xfrm>
         </p:spPr>
         <p:txBody>
@@ -2933,39 +2935,39 @@
           <a:lstStyle>
             <a:lvl1pPr marL="0" indent="0">
               <a:buNone/>
-              <a:defRPr sz="3797"/>
+              <a:defRPr sz="2848"/>
             </a:lvl1pPr>
-            <a:lvl2pPr marL="1084920" indent="0">
-              <a:buNone/>
-              <a:defRPr sz="3322"/>
+            <a:lvl2pPr marL="813679" indent="0">
+              <a:buNone/>
+              <a:defRPr sz="2492"/>
             </a:lvl2pPr>
-            <a:lvl3pPr marL="2169841" indent="0">
-              <a:buNone/>
-              <a:defRPr sz="2847"/>
+            <a:lvl3pPr marL="1627358" indent="0">
+              <a:buNone/>
+              <a:defRPr sz="2136"/>
             </a:lvl3pPr>
-            <a:lvl4pPr marL="3254761" indent="0">
-              <a:buNone/>
-              <a:defRPr sz="2374"/>
+            <a:lvl4pPr marL="2441037" indent="0">
+              <a:buNone/>
+              <a:defRPr sz="1780"/>
             </a:lvl4pPr>
-            <a:lvl5pPr marL="4339682" indent="0">
-              <a:buNone/>
-              <a:defRPr sz="2374"/>
+            <a:lvl5pPr marL="3254715" indent="0">
+              <a:buNone/>
+              <a:defRPr sz="1780"/>
             </a:lvl5pPr>
-            <a:lvl6pPr marL="5424602" indent="0">
-              <a:buNone/>
-              <a:defRPr sz="2374"/>
+            <a:lvl6pPr marL="4068394" indent="0">
+              <a:buNone/>
+              <a:defRPr sz="1780"/>
             </a:lvl6pPr>
-            <a:lvl7pPr marL="6509522" indent="0">
-              <a:buNone/>
-              <a:defRPr sz="2374"/>
+            <a:lvl7pPr marL="4882073" indent="0">
+              <a:buNone/>
+              <a:defRPr sz="1780"/>
             </a:lvl7pPr>
-            <a:lvl8pPr marL="7594443" indent="0">
-              <a:buNone/>
-              <a:defRPr sz="2374"/>
+            <a:lvl8pPr marL="5695752" indent="0">
+              <a:buNone/>
+              <a:defRPr sz="1780"/>
             </a:lvl8pPr>
-            <a:lvl9pPr marL="8679363" indent="0">
-              <a:buNone/>
-              <a:defRPr sz="2374"/>
+            <a:lvl9pPr marL="6509431" indent="0">
+              <a:buNone/>
+              <a:defRPr sz="1780"/>
             </a:lvl9pPr>
           </a:lstStyle>
           <a:p>
@@ -3045,7 +3047,7 @@
     </p:spTree>
     <p:extLst>
       <p:ext uri="{BB962C8B-B14F-4D97-AF65-F5344CB8AC3E}">
-        <p14:creationId xmlns:p14="http://schemas.microsoft.com/office/powerpoint/2010/main" val="1417070177"/>
+        <p14:creationId xmlns:p14="http://schemas.microsoft.com/office/powerpoint/2010/main" val="2929536110"/>
       </p:ext>
     </p:extLst>
   </p:cSld>
@@ -3089,8 +3091,8 @@
         </p:nvSpPr>
         <p:spPr>
           <a:xfrm>
-            <a:off x="1491736" y="879769"/>
-            <a:ext cx="18714481" cy="3193932"/>
+            <a:off x="1491734" y="670834"/>
+            <a:ext cx="18714482" cy="2435415"/>
           </a:xfrm>
           <a:prstGeom prst="rect">
             <a:avLst/>
@@ -3122,8 +3124,8 @@
         </p:nvSpPr>
         <p:spPr>
           <a:xfrm>
-            <a:off x="1491736" y="4398829"/>
-            <a:ext cx="18714481" cy="10484509"/>
+            <a:off x="1491734" y="3354163"/>
+            <a:ext cx="18714482" cy="7994577"/>
           </a:xfrm>
           <a:prstGeom prst="rect">
             <a:avLst/>
@@ -3216,8 +3218,8 @@
         </p:nvSpPr>
         <p:spPr>
           <a:xfrm>
-            <a:off x="1491735" y="15315573"/>
-            <a:ext cx="4882039" cy="879765"/>
+            <a:off x="1491734" y="11678323"/>
+            <a:ext cx="4882039" cy="670833"/>
           </a:xfrm>
           <a:prstGeom prst="rect">
             <a:avLst/>
@@ -3227,7 +3229,7 @@
           <a:bodyPr vert="horz" lIns="91440" tIns="45720" rIns="91440" bIns="45720" rtlCol="0" anchor="ctr"/>
           <a:lstStyle>
             <a:lvl1pPr algn="l">
-              <a:defRPr sz="2847">
+              <a:defRPr sz="2136">
                 <a:solidFill>
                   <a:schemeClr val="tx1">
                     <a:tint val="75000"/>
@@ -3257,8 +3259,8 @@
         </p:nvSpPr>
         <p:spPr>
           <a:xfrm>
-            <a:off x="7187446" y="15315573"/>
-            <a:ext cx="7323058" cy="879765"/>
+            <a:off x="7187446" y="11678323"/>
+            <a:ext cx="7323058" cy="670833"/>
           </a:xfrm>
           <a:prstGeom prst="rect">
             <a:avLst/>
@@ -3268,7 +3270,7 @@
           <a:bodyPr vert="horz" lIns="91440" tIns="45720" rIns="91440" bIns="45720" rtlCol="0" anchor="ctr"/>
           <a:lstStyle>
             <a:lvl1pPr algn="ctr">
-              <a:defRPr sz="2847">
+              <a:defRPr sz="2136">
                 <a:solidFill>
                   <a:schemeClr val="tx1">
                     <a:tint val="75000"/>
@@ -3294,8 +3296,8 @@
         </p:nvSpPr>
         <p:spPr>
           <a:xfrm>
-            <a:off x="15324177" y="15315573"/>
-            <a:ext cx="4882039" cy="879765"/>
+            <a:off x="15324177" y="11678323"/>
+            <a:ext cx="4882039" cy="670833"/>
           </a:xfrm>
           <a:prstGeom prst="rect">
             <a:avLst/>
@@ -3305,7 +3307,7 @@
           <a:bodyPr vert="horz" lIns="91440" tIns="45720" rIns="91440" bIns="45720" rtlCol="0" anchor="ctr"/>
           <a:lstStyle>
             <a:lvl1pPr algn="r">
-              <a:defRPr sz="2847">
+              <a:defRPr sz="2136">
                 <a:solidFill>
                   <a:schemeClr val="tx1">
                     <a:tint val="75000"/>
@@ -3326,27 +3328,27 @@
     </p:spTree>
     <p:extLst>
       <p:ext uri="{BB962C8B-B14F-4D97-AF65-F5344CB8AC3E}">
-        <p14:creationId xmlns:p14="http://schemas.microsoft.com/office/powerpoint/2010/main" val="3409099721"/>
+        <p14:creationId xmlns:p14="http://schemas.microsoft.com/office/powerpoint/2010/main" val="1612912740"/>
       </p:ext>
     </p:extLst>
   </p:cSld>
   <p:clrMap bg1="lt1" tx1="dk1" bg2="lt2" tx2="dk2" accent1="accent1" accent2="accent2" accent3="accent3" accent4="accent4" accent5="accent5" accent6="accent6" hlink="hlink" folHlink="folHlink"/>
   <p:sldLayoutIdLst>
-    <p:sldLayoutId id="2147483745" r:id="rId1"/>
-    <p:sldLayoutId id="2147483746" r:id="rId2"/>
-    <p:sldLayoutId id="2147483747" r:id="rId3"/>
-    <p:sldLayoutId id="2147483748" r:id="rId4"/>
-    <p:sldLayoutId id="2147483749" r:id="rId5"/>
-    <p:sldLayoutId id="2147483750" r:id="rId6"/>
-    <p:sldLayoutId id="2147483751" r:id="rId7"/>
-    <p:sldLayoutId id="2147483752" r:id="rId8"/>
-    <p:sldLayoutId id="2147483753" r:id="rId9"/>
-    <p:sldLayoutId id="2147483754" r:id="rId10"/>
-    <p:sldLayoutId id="2147483755" r:id="rId11"/>
+    <p:sldLayoutId id="2147483757" r:id="rId1"/>
+    <p:sldLayoutId id="2147483758" r:id="rId2"/>
+    <p:sldLayoutId id="2147483759" r:id="rId3"/>
+    <p:sldLayoutId id="2147483760" r:id="rId4"/>
+    <p:sldLayoutId id="2147483761" r:id="rId5"/>
+    <p:sldLayoutId id="2147483762" r:id="rId6"/>
+    <p:sldLayoutId id="2147483763" r:id="rId7"/>
+    <p:sldLayoutId id="2147483764" r:id="rId8"/>
+    <p:sldLayoutId id="2147483765" r:id="rId9"/>
+    <p:sldLayoutId id="2147483766" r:id="rId10"/>
+    <p:sldLayoutId id="2147483767" r:id="rId11"/>
   </p:sldLayoutIdLst>
   <p:txStyles>
     <p:titleStyle>
-      <a:lvl1pPr algn="l" defTabSz="2169841" rtl="0" eaLnBrk="1" latinLnBrk="0" hangingPunct="1">
+      <a:lvl1pPr algn="l" defTabSz="1627358" rtl="0" eaLnBrk="1" latinLnBrk="0" hangingPunct="1">
         <a:lnSpc>
           <a:spcPct val="90000"/>
         </a:lnSpc>
@@ -3354,7 +3356,7 @@
           <a:spcPct val="0"/>
         </a:spcBef>
         <a:buNone/>
-        <a:defRPr kumimoji="1" sz="10442" kern="1200">
+        <a:defRPr kumimoji="1" sz="7831" kern="1200">
           <a:solidFill>
             <a:schemeClr val="tx1"/>
           </a:solidFill>
@@ -3365,16 +3367,16 @@
       </a:lvl1pPr>
     </p:titleStyle>
     <p:bodyStyle>
-      <a:lvl1pPr marL="542461" indent="-542461" algn="l" defTabSz="2169841" rtl="0" eaLnBrk="1" latinLnBrk="0" hangingPunct="1">
+      <a:lvl1pPr marL="406839" indent="-406839" algn="l" defTabSz="1627358" rtl="0" eaLnBrk="1" latinLnBrk="0" hangingPunct="1">
         <a:lnSpc>
           <a:spcPct val="90000"/>
         </a:lnSpc>
         <a:spcBef>
-          <a:spcPts val="2374"/>
+          <a:spcPts val="1780"/>
         </a:spcBef>
         <a:buFont typeface="Arial" panose="020B0604020202020204" pitchFamily="34" charset="0"/>
         <a:buChar char="•"/>
-        <a:defRPr kumimoji="1" sz="6645" kern="1200">
+        <a:defRPr kumimoji="1" sz="4983" kern="1200">
           <a:solidFill>
             <a:schemeClr val="tx1"/>
           </a:solidFill>
@@ -3383,48 +3385,12 @@
           <a:cs typeface="+mn-cs"/>
         </a:defRPr>
       </a:lvl1pPr>
-      <a:lvl2pPr marL="1627380" indent="-542461" algn="l" defTabSz="2169841" rtl="0" eaLnBrk="1" latinLnBrk="0" hangingPunct="1">
+      <a:lvl2pPr marL="1220518" indent="-406839" algn="l" defTabSz="1627358" rtl="0" eaLnBrk="1" latinLnBrk="0" hangingPunct="1">
         <a:lnSpc>
           <a:spcPct val="90000"/>
         </a:lnSpc>
         <a:spcBef>
-          <a:spcPts val="1185"/>
-        </a:spcBef>
-        <a:buFont typeface="Arial" panose="020B0604020202020204" pitchFamily="34" charset="0"/>
-        <a:buChar char="•"/>
-        <a:defRPr kumimoji="1" sz="5695" kern="1200">
-          <a:solidFill>
-            <a:schemeClr val="tx1"/>
-          </a:solidFill>
-          <a:latin typeface="+mn-lt"/>
-          <a:ea typeface="+mn-ea"/>
-          <a:cs typeface="+mn-cs"/>
-        </a:defRPr>
-      </a:lvl2pPr>
-      <a:lvl3pPr marL="2712302" indent="-542461" algn="l" defTabSz="2169841" rtl="0" eaLnBrk="1" latinLnBrk="0" hangingPunct="1">
-        <a:lnSpc>
-          <a:spcPct val="90000"/>
-        </a:lnSpc>
-        <a:spcBef>
-          <a:spcPts val="1185"/>
-        </a:spcBef>
-        <a:buFont typeface="Arial" panose="020B0604020202020204" pitchFamily="34" charset="0"/>
-        <a:buChar char="•"/>
-        <a:defRPr kumimoji="1" sz="4746" kern="1200">
-          <a:solidFill>
-            <a:schemeClr val="tx1"/>
-          </a:solidFill>
-          <a:latin typeface="+mn-lt"/>
-          <a:ea typeface="+mn-ea"/>
-          <a:cs typeface="+mn-cs"/>
-        </a:defRPr>
-      </a:lvl3pPr>
-      <a:lvl4pPr marL="3797221" indent="-542461" algn="l" defTabSz="2169841" rtl="0" eaLnBrk="1" latinLnBrk="0" hangingPunct="1">
-        <a:lnSpc>
-          <a:spcPct val="90000"/>
-        </a:lnSpc>
-        <a:spcBef>
-          <a:spcPts val="1185"/>
+          <a:spcPts val="890"/>
         </a:spcBef>
         <a:buFont typeface="Arial" panose="020B0604020202020204" pitchFamily="34" charset="0"/>
         <a:buChar char="•"/>
@@ -3436,17 +3402,53 @@
           <a:ea typeface="+mn-ea"/>
           <a:cs typeface="+mn-cs"/>
         </a:defRPr>
-      </a:lvl4pPr>
-      <a:lvl5pPr marL="4882141" indent="-542461" algn="l" defTabSz="2169841" rtl="0" eaLnBrk="1" latinLnBrk="0" hangingPunct="1">
+      </a:lvl2pPr>
+      <a:lvl3pPr marL="2034197" indent="-406839" algn="l" defTabSz="1627358" rtl="0" eaLnBrk="1" latinLnBrk="0" hangingPunct="1">
         <a:lnSpc>
           <a:spcPct val="90000"/>
         </a:lnSpc>
         <a:spcBef>
-          <a:spcPts val="1185"/>
+          <a:spcPts val="890"/>
         </a:spcBef>
         <a:buFont typeface="Arial" panose="020B0604020202020204" pitchFamily="34" charset="0"/>
         <a:buChar char="•"/>
-        <a:defRPr kumimoji="1" sz="4271" kern="1200">
+        <a:defRPr kumimoji="1" sz="3559" kern="1200">
+          <a:solidFill>
+            <a:schemeClr val="tx1"/>
+          </a:solidFill>
+          <a:latin typeface="+mn-lt"/>
+          <a:ea typeface="+mn-ea"/>
+          <a:cs typeface="+mn-cs"/>
+        </a:defRPr>
+      </a:lvl3pPr>
+      <a:lvl4pPr marL="2847876" indent="-406839" algn="l" defTabSz="1627358" rtl="0" eaLnBrk="1" latinLnBrk="0" hangingPunct="1">
+        <a:lnSpc>
+          <a:spcPct val="90000"/>
+        </a:lnSpc>
+        <a:spcBef>
+          <a:spcPts val="890"/>
+        </a:spcBef>
+        <a:buFont typeface="Arial" panose="020B0604020202020204" pitchFamily="34" charset="0"/>
+        <a:buChar char="•"/>
+        <a:defRPr kumimoji="1" sz="3203" kern="1200">
+          <a:solidFill>
+            <a:schemeClr val="tx1"/>
+          </a:solidFill>
+          <a:latin typeface="+mn-lt"/>
+          <a:ea typeface="+mn-ea"/>
+          <a:cs typeface="+mn-cs"/>
+        </a:defRPr>
+      </a:lvl4pPr>
+      <a:lvl5pPr marL="3661555" indent="-406839" algn="l" defTabSz="1627358" rtl="0" eaLnBrk="1" latinLnBrk="0" hangingPunct="1">
+        <a:lnSpc>
+          <a:spcPct val="90000"/>
+        </a:lnSpc>
+        <a:spcBef>
+          <a:spcPts val="890"/>
+        </a:spcBef>
+        <a:buFont typeface="Arial" panose="020B0604020202020204" pitchFamily="34" charset="0"/>
+        <a:buChar char="•"/>
+        <a:defRPr kumimoji="1" sz="3203" kern="1200">
           <a:solidFill>
             <a:schemeClr val="tx1"/>
           </a:solidFill>
@@ -3455,16 +3457,16 @@
           <a:cs typeface="+mn-cs"/>
         </a:defRPr>
       </a:lvl5pPr>
-      <a:lvl6pPr marL="5967062" indent="-542461" algn="l" defTabSz="2169841" rtl="0" eaLnBrk="1" latinLnBrk="0" hangingPunct="1">
+      <a:lvl6pPr marL="4475234" indent="-406839" algn="l" defTabSz="1627358" rtl="0" eaLnBrk="1" latinLnBrk="0" hangingPunct="1">
         <a:lnSpc>
           <a:spcPct val="90000"/>
         </a:lnSpc>
         <a:spcBef>
-          <a:spcPts val="1185"/>
+          <a:spcPts val="890"/>
         </a:spcBef>
         <a:buFont typeface="Arial" panose="020B0604020202020204" pitchFamily="34" charset="0"/>
         <a:buChar char="•"/>
-        <a:defRPr kumimoji="1" sz="4271" kern="1200">
+        <a:defRPr kumimoji="1" sz="3203" kern="1200">
           <a:solidFill>
             <a:schemeClr val="tx1"/>
           </a:solidFill>
@@ -3473,16 +3475,16 @@
           <a:cs typeface="+mn-cs"/>
         </a:defRPr>
       </a:lvl6pPr>
-      <a:lvl7pPr marL="7051982" indent="-542461" algn="l" defTabSz="2169841" rtl="0" eaLnBrk="1" latinLnBrk="0" hangingPunct="1">
+      <a:lvl7pPr marL="5288912" indent="-406839" algn="l" defTabSz="1627358" rtl="0" eaLnBrk="1" latinLnBrk="0" hangingPunct="1">
         <a:lnSpc>
           <a:spcPct val="90000"/>
         </a:lnSpc>
         <a:spcBef>
-          <a:spcPts val="1185"/>
+          <a:spcPts val="890"/>
         </a:spcBef>
         <a:buFont typeface="Arial" panose="020B0604020202020204" pitchFamily="34" charset="0"/>
         <a:buChar char="•"/>
-        <a:defRPr kumimoji="1" sz="4271" kern="1200">
+        <a:defRPr kumimoji="1" sz="3203" kern="1200">
           <a:solidFill>
             <a:schemeClr val="tx1"/>
           </a:solidFill>
@@ -3491,16 +3493,16 @@
           <a:cs typeface="+mn-cs"/>
         </a:defRPr>
       </a:lvl7pPr>
-      <a:lvl8pPr marL="8136903" indent="-542461" algn="l" defTabSz="2169841" rtl="0" eaLnBrk="1" latinLnBrk="0" hangingPunct="1">
+      <a:lvl8pPr marL="6102591" indent="-406839" algn="l" defTabSz="1627358" rtl="0" eaLnBrk="1" latinLnBrk="0" hangingPunct="1">
         <a:lnSpc>
           <a:spcPct val="90000"/>
         </a:lnSpc>
         <a:spcBef>
-          <a:spcPts val="1185"/>
+          <a:spcPts val="890"/>
         </a:spcBef>
         <a:buFont typeface="Arial" panose="020B0604020202020204" pitchFamily="34" charset="0"/>
         <a:buChar char="•"/>
-        <a:defRPr kumimoji="1" sz="4271" kern="1200">
+        <a:defRPr kumimoji="1" sz="3203" kern="1200">
           <a:solidFill>
             <a:schemeClr val="tx1"/>
           </a:solidFill>
@@ -3509,16 +3511,16 @@
           <a:cs typeface="+mn-cs"/>
         </a:defRPr>
       </a:lvl8pPr>
-      <a:lvl9pPr marL="9221823" indent="-542461" algn="l" defTabSz="2169841" rtl="0" eaLnBrk="1" latinLnBrk="0" hangingPunct="1">
+      <a:lvl9pPr marL="6916270" indent="-406839" algn="l" defTabSz="1627358" rtl="0" eaLnBrk="1" latinLnBrk="0" hangingPunct="1">
         <a:lnSpc>
           <a:spcPct val="90000"/>
         </a:lnSpc>
         <a:spcBef>
-          <a:spcPts val="1185"/>
+          <a:spcPts val="890"/>
         </a:spcBef>
         <a:buFont typeface="Arial" panose="020B0604020202020204" pitchFamily="34" charset="0"/>
         <a:buChar char="•"/>
-        <a:defRPr kumimoji="1" sz="4271" kern="1200">
+        <a:defRPr kumimoji="1" sz="3203" kern="1200">
           <a:solidFill>
             <a:schemeClr val="tx1"/>
           </a:solidFill>
@@ -3532,8 +3534,8 @@
       <a:defPPr>
         <a:defRPr lang="en-US"/>
       </a:defPPr>
-      <a:lvl1pPr marL="0" algn="l" defTabSz="2169841" rtl="0" eaLnBrk="1" latinLnBrk="0" hangingPunct="1">
-        <a:defRPr kumimoji="1" sz="4271" kern="1200">
+      <a:lvl1pPr marL="0" algn="l" defTabSz="1627358" rtl="0" eaLnBrk="1" latinLnBrk="0" hangingPunct="1">
+        <a:defRPr kumimoji="1" sz="3203" kern="1200">
           <a:solidFill>
             <a:schemeClr val="tx1"/>
           </a:solidFill>
@@ -3542,8 +3544,8 @@
           <a:cs typeface="+mn-cs"/>
         </a:defRPr>
       </a:lvl1pPr>
-      <a:lvl2pPr marL="1084920" algn="l" defTabSz="2169841" rtl="0" eaLnBrk="1" latinLnBrk="0" hangingPunct="1">
-        <a:defRPr kumimoji="1" sz="4271" kern="1200">
+      <a:lvl2pPr marL="813679" algn="l" defTabSz="1627358" rtl="0" eaLnBrk="1" latinLnBrk="0" hangingPunct="1">
+        <a:defRPr kumimoji="1" sz="3203" kern="1200">
           <a:solidFill>
             <a:schemeClr val="tx1"/>
           </a:solidFill>
@@ -3552,8 +3554,8 @@
           <a:cs typeface="+mn-cs"/>
         </a:defRPr>
       </a:lvl2pPr>
-      <a:lvl3pPr marL="2169841" algn="l" defTabSz="2169841" rtl="0" eaLnBrk="1" latinLnBrk="0" hangingPunct="1">
-        <a:defRPr kumimoji="1" sz="4271" kern="1200">
+      <a:lvl3pPr marL="1627358" algn="l" defTabSz="1627358" rtl="0" eaLnBrk="1" latinLnBrk="0" hangingPunct="1">
+        <a:defRPr kumimoji="1" sz="3203" kern="1200">
           <a:solidFill>
             <a:schemeClr val="tx1"/>
           </a:solidFill>
@@ -3562,8 +3564,8 @@
           <a:cs typeface="+mn-cs"/>
         </a:defRPr>
       </a:lvl3pPr>
-      <a:lvl4pPr marL="3254761" algn="l" defTabSz="2169841" rtl="0" eaLnBrk="1" latinLnBrk="0" hangingPunct="1">
-        <a:defRPr kumimoji="1" sz="4271" kern="1200">
+      <a:lvl4pPr marL="2441037" algn="l" defTabSz="1627358" rtl="0" eaLnBrk="1" latinLnBrk="0" hangingPunct="1">
+        <a:defRPr kumimoji="1" sz="3203" kern="1200">
           <a:solidFill>
             <a:schemeClr val="tx1"/>
           </a:solidFill>
@@ -3572,8 +3574,8 @@
           <a:cs typeface="+mn-cs"/>
         </a:defRPr>
       </a:lvl4pPr>
-      <a:lvl5pPr marL="4339682" algn="l" defTabSz="2169841" rtl="0" eaLnBrk="1" latinLnBrk="0" hangingPunct="1">
-        <a:defRPr kumimoji="1" sz="4271" kern="1200">
+      <a:lvl5pPr marL="3254715" algn="l" defTabSz="1627358" rtl="0" eaLnBrk="1" latinLnBrk="0" hangingPunct="1">
+        <a:defRPr kumimoji="1" sz="3203" kern="1200">
           <a:solidFill>
             <a:schemeClr val="tx1"/>
           </a:solidFill>
@@ -3582,8 +3584,8 @@
           <a:cs typeface="+mn-cs"/>
         </a:defRPr>
       </a:lvl5pPr>
-      <a:lvl6pPr marL="5424602" algn="l" defTabSz="2169841" rtl="0" eaLnBrk="1" latinLnBrk="0" hangingPunct="1">
-        <a:defRPr kumimoji="1" sz="4271" kern="1200">
+      <a:lvl6pPr marL="4068394" algn="l" defTabSz="1627358" rtl="0" eaLnBrk="1" latinLnBrk="0" hangingPunct="1">
+        <a:defRPr kumimoji="1" sz="3203" kern="1200">
           <a:solidFill>
             <a:schemeClr val="tx1"/>
           </a:solidFill>
@@ -3592,8 +3594,8 @@
           <a:cs typeface="+mn-cs"/>
         </a:defRPr>
       </a:lvl6pPr>
-      <a:lvl7pPr marL="6509522" algn="l" defTabSz="2169841" rtl="0" eaLnBrk="1" latinLnBrk="0" hangingPunct="1">
-        <a:defRPr kumimoji="1" sz="4271" kern="1200">
+      <a:lvl7pPr marL="4882073" algn="l" defTabSz="1627358" rtl="0" eaLnBrk="1" latinLnBrk="0" hangingPunct="1">
+        <a:defRPr kumimoji="1" sz="3203" kern="1200">
           <a:solidFill>
             <a:schemeClr val="tx1"/>
           </a:solidFill>
@@ -3602,8 +3604,8 @@
           <a:cs typeface="+mn-cs"/>
         </a:defRPr>
       </a:lvl7pPr>
-      <a:lvl8pPr marL="7594443" algn="l" defTabSz="2169841" rtl="0" eaLnBrk="1" latinLnBrk="0" hangingPunct="1">
-        <a:defRPr kumimoji="1" sz="4271" kern="1200">
+      <a:lvl8pPr marL="5695752" algn="l" defTabSz="1627358" rtl="0" eaLnBrk="1" latinLnBrk="0" hangingPunct="1">
+        <a:defRPr kumimoji="1" sz="3203" kern="1200">
           <a:solidFill>
             <a:schemeClr val="tx1"/>
           </a:solidFill>
@@ -3612,8 +3614,8 @@
           <a:cs typeface="+mn-cs"/>
         </a:defRPr>
       </a:lvl8pPr>
-      <a:lvl9pPr marL="8679363" algn="l" defTabSz="2169841" rtl="0" eaLnBrk="1" latinLnBrk="0" hangingPunct="1">
-        <a:defRPr kumimoji="1" sz="4271" kern="1200">
+      <a:lvl9pPr marL="6509431" algn="l" defTabSz="1627358" rtl="0" eaLnBrk="1" latinLnBrk="0" hangingPunct="1">
+        <a:defRPr kumimoji="1" sz="3203" kern="1200">
           <a:solidFill>
             <a:schemeClr val="tx1"/>
           </a:solidFill>
@@ -3652,8 +3654,8 @@
         </p:nvGrpSpPr>
         <p:grpSpPr>
           <a:xfrm>
-            <a:off x="220319" y="311285"/>
-            <a:ext cx="21180532" cy="16031183"/>
+            <a:off x="220319" y="209550"/>
+            <a:ext cx="21180532" cy="12211050"/>
             <a:chOff x="220319" y="949680"/>
             <a:chExt cx="8688227" cy="5742070"/>
           </a:xfrm>
@@ -4064,7 +4066,7 @@
                   <a:t>				</a:t>
                 </a:r>
                 <a:r>
-                  <a:rPr lang="en-US" altLang="ja-JP" sz="2400" dirty="0" smtClean="0">
+                  <a:rPr lang="en-US" altLang="ja-JP" sz="2400" dirty="0">
                     <a:latin typeface="メイリオ" panose="020B0604030504040204" pitchFamily="50" charset="-128"/>
                     <a:ea typeface="メイリオ" panose="020B0604030504040204" pitchFamily="50" charset="-128"/>
                     <a:cs typeface="メイリオ" pitchFamily="50" charset="-128"/>
@@ -4072,7 +4074,7 @@
                   <a:t>				</a:t>
                 </a:r>
                 <a:r>
-                  <a:rPr lang="en-US" altLang="ja-JP" sz="4800" dirty="0" smtClean="0">
+                  <a:rPr lang="en-US" altLang="ja-JP" sz="4800" dirty="0">
                     <a:latin typeface="メイリオ" panose="020B0604030504040204" pitchFamily="50" charset="-128"/>
                     <a:ea typeface="メイリオ" panose="020B0604030504040204" pitchFamily="50" charset="-128"/>
                     <a:cs typeface="メイリオ" pitchFamily="50" charset="-128"/>
@@ -4095,8 +4097,8 @@
             </p:nvSpPr>
             <p:spPr bwMode="auto">
               <a:xfrm>
-                <a:off x="6979240" y="3777574"/>
-                <a:ext cx="1929305" cy="1995170"/>
+                <a:off x="6979240" y="3461318"/>
+                <a:ext cx="1929305" cy="2311426"/>
               </a:xfrm>
               <a:prstGeom prst="roundRect">
                 <a:avLst/>
@@ -4148,7 +4150,7 @@
                     <a:spcPct val="20000"/>
                   </a:spcBef>
                 </a:pPr>
-                <a:endParaRPr lang="en-US" altLang="ja-JP" sz="4800" dirty="0" smtClean="0">
+                <a:endParaRPr lang="en-US" altLang="ja-JP" sz="4800" dirty="0">
                   <a:latin typeface="メイリオ" panose="020B0604030504040204" pitchFamily="50" charset="-128"/>
                   <a:ea typeface="メイリオ" panose="020B0604030504040204" pitchFamily="50" charset="-128"/>
                   <a:cs typeface="メイリオ" pitchFamily="50" charset="-128"/>
@@ -4164,7 +4166,7 @@
                   </a:spcBef>
                 </a:pPr>
                 <a:r>
-                  <a:rPr lang="en-US" altLang="ja-JP" sz="4800" dirty="0" smtClean="0">
+                  <a:rPr lang="en-US" altLang="ja-JP" sz="4800" dirty="0">
                     <a:latin typeface="メイリオ" panose="020B0604030504040204" pitchFamily="50" charset="-128"/>
                     <a:ea typeface="メイリオ" panose="020B0604030504040204" pitchFamily="50" charset="-128"/>
                     <a:cs typeface="メイリオ" pitchFamily="50" charset="-128"/>
@@ -4260,7 +4262,7 @@
                   <a:t>RTOS (</a:t>
                 </a:r>
                 <a:r>
-                  <a:rPr lang="en-US" altLang="ja-JP" sz="4800" dirty="0" smtClean="0">
+                  <a:rPr lang="en-US" altLang="ja-JP" sz="4800" dirty="0">
                     <a:latin typeface="メイリオ" panose="020B0604030504040204" pitchFamily="50" charset="-128"/>
                     <a:ea typeface="メイリオ" panose="020B0604030504040204" pitchFamily="50" charset="-128"/>
                     <a:cs typeface="メイリオ" panose="020B0604030504040204" pitchFamily="50" charset="-128"/>
@@ -4330,7 +4332,7 @@
                   <a:t>Target </a:t>
                 </a:r>
                 <a:r>
-                  <a:rPr lang="en-US" altLang="ja-JP" sz="4800" dirty="0" smtClean="0">
+                  <a:rPr lang="en-US" altLang="ja-JP" sz="4800" dirty="0">
                     <a:latin typeface="メイリオ" panose="020B0604030504040204" pitchFamily="50" charset="-128"/>
                     <a:ea typeface="メイリオ" panose="020B0604030504040204" pitchFamily="50" charset="-128"/>
                     <a:cs typeface="メイリオ" panose="020B0604030504040204" pitchFamily="50" charset="-128"/>
@@ -4501,7 +4503,7 @@
                   </a:spcBef>
                 </a:pPr>
                 <a:r>
-                  <a:rPr lang="en-US" altLang="ja-JP" sz="4800" dirty="0" err="1" smtClean="0">
+                  <a:rPr lang="en-US" altLang="ja-JP" sz="4800" dirty="0" err="1">
                     <a:latin typeface="メイリオ" panose="020B0604030504040204" pitchFamily="50" charset="-128"/>
                     <a:ea typeface="メイリオ" panose="020B0604030504040204" pitchFamily="50" charset="-128"/>
                     <a:cs typeface="メイリオ" panose="020B0604030504040204" pitchFamily="50" charset="-128"/>
@@ -4625,7 +4627,7 @@
                   </a:spcBef>
                 </a:pPr>
                 <a:r>
-                  <a:rPr lang="en-US" altLang="ja-JP" sz="4800" dirty="0" err="1" smtClean="0">
+                  <a:rPr lang="en-US" altLang="ja-JP" sz="4800" dirty="0" err="1">
                     <a:latin typeface="メイリオ" panose="020B0604030504040204" pitchFamily="50" charset="-128"/>
                     <a:ea typeface="メイリオ" panose="020B0604030504040204" pitchFamily="50" charset="-128"/>
                     <a:cs typeface="メイリオ" panose="020B0604030504040204" pitchFamily="50" charset="-128"/>
@@ -4687,7 +4689,7 @@
                   </a:spcBef>
                 </a:pPr>
                 <a:r>
-                  <a:rPr lang="en-US" altLang="ja-JP" sz="4800" dirty="0" err="1" smtClean="0">
+                  <a:rPr lang="en-US" altLang="ja-JP" sz="4800" dirty="0" err="1">
                     <a:latin typeface="メイリオ" panose="020B0604030504040204" pitchFamily="50" charset="-128"/>
                     <a:ea typeface="メイリオ" panose="020B0604030504040204" pitchFamily="50" charset="-128"/>
                     <a:cs typeface="メイリオ" panose="020B0604030504040204" pitchFamily="50" charset="-128"/>
@@ -4710,8 +4712,8 @@
             </p:nvSpPr>
             <p:spPr bwMode="auto">
               <a:xfrm>
-                <a:off x="5109102" y="3212742"/>
-                <a:ext cx="1870137" cy="2207624"/>
+                <a:off x="5109102" y="2960791"/>
+                <a:ext cx="1870137" cy="2459575"/>
               </a:xfrm>
               <a:prstGeom prst="roundRect">
                 <a:avLst/>
@@ -4760,7 +4762,7 @@
                   </a:spcBef>
                 </a:pPr>
                 <a:r>
-                  <a:rPr lang="en-US" altLang="ja-JP" sz="4400" b="1" dirty="0" smtClean="0">
+                  <a:rPr lang="en-US" altLang="ja-JP" sz="4400" b="1" dirty="0">
                     <a:latin typeface="メイリオ" panose="020B0604030504040204" pitchFamily="50" charset="-128"/>
                     <a:ea typeface="メイリオ" panose="020B0604030504040204" pitchFamily="50" charset="-128"/>
                     <a:cs typeface="メイリオ" pitchFamily="50" charset="-128"/>
@@ -4783,7 +4785,7 @@
             </p:nvSpPr>
             <p:spPr bwMode="auto">
               <a:xfrm>
-                <a:off x="4171993" y="4862536"/>
+                <a:off x="4171993" y="4875036"/>
                 <a:ext cx="3771900" cy="347487"/>
               </a:xfrm>
               <a:prstGeom prst="roundRect">
@@ -4902,7 +4904,7 @@
                 </a:spcBef>
               </a:pPr>
               <a:r>
-                <a:rPr lang="en-US" altLang="ja-JP" sz="4400" b="1" dirty="0" smtClean="0">
+                <a:rPr lang="en-US" altLang="ja-JP" sz="4400" b="1" dirty="0">
                   <a:latin typeface="メイリオ" panose="020B0604030504040204" pitchFamily="50" charset="-128"/>
                   <a:ea typeface="メイリオ" panose="020B0604030504040204" pitchFamily="50" charset="-128"/>
                   <a:cs typeface="メイリオ" pitchFamily="50" charset="-128"/>
@@ -4926,7 +4928,7 @@
         </p:nvSpPr>
         <p:spPr>
           <a:xfrm>
-            <a:off x="14882453" y="1831326"/>
+            <a:off x="14930451" y="459668"/>
             <a:ext cx="3172084" cy="1123712"/>
           </a:xfrm>
           <a:prstGeom prst="roundRect">
@@ -4950,7 +4952,7 @@
           <a:lstStyle/>
           <a:p>
             <a:r>
-              <a:rPr lang="en-US" altLang="ja-JP" sz="6000" kern="100" dirty="0" smtClean="0">
+              <a:rPr lang="en-US" altLang="ja-JP" sz="6000" kern="100" dirty="0">
                 <a:latin typeface="Century" panose="02040604050505020304" pitchFamily="18" charset="0"/>
                 <a:ea typeface="ＭＳ 明朝" panose="02020609040205080304" pitchFamily="17" charset="-128"/>
                 <a:cs typeface="Times New Roman" panose="02020603050405020304" pitchFamily="18" charset="0"/>
@@ -4958,7 +4960,6 @@
               <a:t>Sec. 3.1</a:t>
             </a:r>
             <a:endParaRPr lang="ja-JP" altLang="ja-JP" sz="6000" kern="100" dirty="0">
-              <a:effectLst/>
               <a:latin typeface="Century" panose="02040604050505020304" pitchFamily="18" charset="0"/>
               <a:ea typeface="ＭＳ 明朝" panose="02020609040205080304" pitchFamily="17" charset="-128"/>
               <a:cs typeface="Times New Roman" panose="02020603050405020304" pitchFamily="18" charset="0"/>
@@ -4974,7 +4975,7 @@
         </p:nvSpPr>
         <p:spPr>
           <a:xfrm>
-            <a:off x="436592" y="10465762"/>
+            <a:off x="436592" y="7821781"/>
             <a:ext cx="3172084" cy="1123712"/>
           </a:xfrm>
           <a:prstGeom prst="roundRect">
@@ -4998,7 +4999,7 @@
           <a:lstStyle/>
           <a:p>
             <a:r>
-              <a:rPr lang="en-US" altLang="ja-JP" sz="6000" kern="100" dirty="0" smtClean="0">
+              <a:rPr lang="en-US" altLang="ja-JP" sz="6000" kern="100" dirty="0">
                 <a:latin typeface="Century" panose="02040604050505020304" pitchFamily="18" charset="0"/>
                 <a:ea typeface="ＭＳ 明朝" panose="02020609040205080304" pitchFamily="17" charset="-128"/>
                 <a:cs typeface="Times New Roman" panose="02020603050405020304" pitchFamily="18" charset="0"/>
@@ -5006,7 +5007,6 @@
               <a:t>Sec. 3.2</a:t>
             </a:r>
             <a:endParaRPr lang="ja-JP" altLang="ja-JP" sz="6000" kern="100" dirty="0">
-              <a:effectLst/>
               <a:latin typeface="Century" panose="02040604050505020304" pitchFamily="18" charset="0"/>
               <a:ea typeface="ＭＳ 明朝" panose="02020609040205080304" pitchFamily="17" charset="-128"/>
               <a:cs typeface="Times New Roman" panose="02020603050405020304" pitchFamily="18" charset="0"/>
@@ -5073,9 +5073,9 @@
         <a:latin typeface="Calibri Light" panose="020F0302020204030204"/>
         <a:ea typeface=""/>
         <a:cs typeface=""/>
-        <a:font script="Jpan" typeface="ＭＳ Ｐゴシック"/>
+        <a:font script="Jpan" typeface="游ゴシック Light"/>
         <a:font script="Hang" typeface="맑은 고딕"/>
-        <a:font script="Hans" typeface="宋体"/>
+        <a:font script="Hans" typeface="等线 Light"/>
         <a:font script="Hant" typeface="新細明體"/>
         <a:font script="Arab" typeface="Times New Roman"/>
         <a:font script="Hebr" typeface="Times New Roman"/>
@@ -5108,9 +5108,9 @@
         <a:latin typeface="Calibri" panose="020F0502020204030204"/>
         <a:ea typeface=""/>
         <a:cs typeface=""/>
-        <a:font script="Jpan" typeface="ＭＳ Ｐゴシック"/>
+        <a:font script="Jpan" typeface="游ゴシック"/>
         <a:font script="Hang" typeface="맑은 고딕"/>
-        <a:font script="Hans" typeface="宋体"/>
+        <a:font script="Hans" typeface="等线"/>
         <a:font script="Hant" typeface="新細明體"/>
         <a:font script="Arab" typeface="Arial"/>
         <a:font script="Hebr" typeface="Arial"/>
